--- a/content/grade8/cycle03/week3/G8_C3_W3_Assessment_Slides_Final.pptx
+++ b/content/grade8/cycle03/week3/G8_C3_W3_Assessment_Slides_Final.pptx
@@ -3267,10 +3267,8 @@
           <a:solidFill>
             <a:srgbClr val="FFFFFF"/>
           </a:solidFill>
-          <a:ln w="25400">
-            <a:solidFill>
-              <a:srgbClr val="44337A"/>
-            </a:solidFill>
+          <a:ln>
+            <a:noFill/>
           </a:ln>
         </p:spPr>
         <p:style>

--- a/content/grade8/cycle03/week3/G8_C3_W3_Assessment_Slides_Final.pptx
+++ b/content/grade8/cycle03/week3/G8_C3_W3_Assessment_Slides_Final.pptx
@@ -3830,8 +3830,8 @@
         </p:nvSpPr>
         <p:spPr>
           <a:xfrm>
-            <a:off x="320040" y="3246120"/>
-            <a:ext cx="8503920" cy="365760"/>
+            <a:off x="320040" y="3227832"/>
+            <a:ext cx="8503920" cy="457200"/>
           </a:xfrm>
           <a:prstGeom prst="rect">
             <a:avLst/>
@@ -4878,8 +4878,8 @@
         </p:nvSpPr>
         <p:spPr>
           <a:xfrm>
-            <a:off x="365760" y="3200400"/>
-            <a:ext cx="2377440" cy="274320"/>
+            <a:off x="365760" y="3154680"/>
+            <a:ext cx="2377440" cy="365760"/>
           </a:xfrm>
           <a:prstGeom prst="rect">
             <a:avLst/>
@@ -4915,7 +4915,7 @@
         <p:spPr>
           <a:xfrm>
             <a:off x="365760" y="3520440"/>
-            <a:ext cx="2377440" cy="411480"/>
+            <a:ext cx="2377440" cy="457200"/>
           </a:xfrm>
           <a:prstGeom prst="rect">
             <a:avLst/>
@@ -4993,8 +4993,8 @@
         </p:nvSpPr>
         <p:spPr>
           <a:xfrm>
-            <a:off x="3383280" y="3200400"/>
-            <a:ext cx="2377440" cy="274320"/>
+            <a:off x="3383280" y="3154680"/>
+            <a:ext cx="2377440" cy="365760"/>
           </a:xfrm>
           <a:prstGeom prst="rect">
             <a:avLst/>
@@ -5030,7 +5030,7 @@
         <p:spPr>
           <a:xfrm>
             <a:off x="3383280" y="3520440"/>
-            <a:ext cx="2377440" cy="411480"/>
+            <a:ext cx="2377440" cy="457200"/>
           </a:xfrm>
           <a:prstGeom prst="rect">
             <a:avLst/>
@@ -5108,8 +5108,8 @@
         </p:nvSpPr>
         <p:spPr>
           <a:xfrm>
-            <a:off x="6400800" y="3200400"/>
-            <a:ext cx="2377440" cy="274320"/>
+            <a:off x="6400800" y="3154680"/>
+            <a:ext cx="2377440" cy="365760"/>
           </a:xfrm>
           <a:prstGeom prst="rect">
             <a:avLst/>
@@ -5145,7 +5145,7 @@
         <p:spPr>
           <a:xfrm>
             <a:off x="6400800" y="3520440"/>
-            <a:ext cx="2377440" cy="411480"/>
+            <a:ext cx="2377440" cy="457200"/>
           </a:xfrm>
           <a:prstGeom prst="rect">
             <a:avLst/>
@@ -5223,8 +5223,8 @@
         </p:nvSpPr>
         <p:spPr>
           <a:xfrm>
-            <a:off x="365760" y="4279392"/>
-            <a:ext cx="8412480" cy="365760"/>
+            <a:off x="365760" y="4233672"/>
+            <a:ext cx="8412480" cy="502920"/>
           </a:xfrm>
           <a:prstGeom prst="rect">
             <a:avLst/>
@@ -6012,8 +6012,8 @@
         </p:nvSpPr>
         <p:spPr>
           <a:xfrm>
-            <a:off x="365760" y="4480560"/>
-            <a:ext cx="8412480" cy="365760"/>
+            <a:off x="365760" y="4462272"/>
+            <a:ext cx="8412480" cy="457200"/>
           </a:xfrm>
           <a:prstGeom prst="rect">
             <a:avLst/>
@@ -8616,8 +8616,8 @@
         </p:nvSpPr>
         <p:spPr>
           <a:xfrm>
-            <a:off x="320040" y="4023360"/>
-            <a:ext cx="8503920" cy="365760"/>
+            <a:off x="320040" y="4005072"/>
+            <a:ext cx="8503920" cy="457200"/>
           </a:xfrm>
           <a:prstGeom prst="rect">
             <a:avLst/>
@@ -9026,8 +9026,8 @@
         </p:nvSpPr>
         <p:spPr>
           <a:xfrm>
-            <a:off x="320040" y="3703320"/>
-            <a:ext cx="8503920" cy="365760"/>
+            <a:off x="320040" y="3685032"/>
+            <a:ext cx="8503920" cy="457200"/>
           </a:xfrm>
           <a:prstGeom prst="rect">
             <a:avLst/>
@@ -10140,8 +10140,8 @@
         </p:nvSpPr>
         <p:spPr>
           <a:xfrm>
-            <a:off x="320040" y="3474720"/>
-            <a:ext cx="8503920" cy="365760"/>
+            <a:off x="320040" y="3456432"/>
+            <a:ext cx="8503920" cy="457200"/>
           </a:xfrm>
           <a:prstGeom prst="rect">
             <a:avLst/>
@@ -10681,8 +10681,8 @@
         </p:nvSpPr>
         <p:spPr>
           <a:xfrm>
-            <a:off x="320040" y="3474720"/>
-            <a:ext cx="8503920" cy="365760"/>
+            <a:off x="320040" y="3456432"/>
+            <a:ext cx="8503920" cy="457200"/>
           </a:xfrm>
           <a:prstGeom prst="rect">
             <a:avLst/>
